--- a/Intuit.pptx
+++ b/Intuit.pptx
@@ -3398,7 +3398,44 @@
           <a:bodyPr/>
           <a:lstStyle/>
           <a:p>
-            <a:endParaRPr lang="en-IN"/>
+            <a:pPr marL="342900" indent="-342900" algn="l">
+              <a:buFontTx/>
+              <a:buChar char="-"/>
+            </a:pPr>
+            <a:r>
+              <a:rPr lang="en-IN" dirty="0"/>
+              <a:t>Agenda</a:t>
+            </a:r>
+          </a:p>
+          <a:p>
+            <a:pPr marL="800100" lvl="1" indent="-342900" algn="l">
+              <a:buFontTx/>
+              <a:buChar char="-"/>
+            </a:pPr>
+            <a:r>
+              <a:rPr lang="en-IN" dirty="0"/>
+              <a:t>About me (~5min)</a:t>
+            </a:r>
+          </a:p>
+          <a:p>
+            <a:pPr marL="800100" lvl="1" indent="-342900" algn="l">
+              <a:buFontTx/>
+              <a:buChar char="-"/>
+            </a:pPr>
+            <a:r>
+              <a:rPr lang="en-IN" dirty="0"/>
+              <a:t>Portfolio (~10 min)</a:t>
+            </a:r>
+          </a:p>
+          <a:p>
+            <a:pPr marL="800100" lvl="1" indent="-342900" algn="l">
+              <a:buFontTx/>
+              <a:buChar char="-"/>
+            </a:pPr>
+            <a:r>
+              <a:rPr lang="en-IN" dirty="0"/>
+              <a:t>Case Study (~50 min)</a:t>
+            </a:r>
           </a:p>
         </p:txBody>
       </p:sp>
@@ -4281,6 +4318,42 @@
             <a:r>
               <a:rPr lang="en-GB" dirty="0"/>
               <a:t>Supporting Operations to view, upload/download, versioning etc.</a:t>
+            </a:r>
+          </a:p>
+          <a:p>
+            <a:r>
+              <a:rPr lang="en-GB" dirty="0"/>
+              <a:t>Tech Stack</a:t>
+            </a:r>
+          </a:p>
+          <a:p>
+            <a:pPr lvl="1"/>
+            <a:r>
+              <a:rPr lang="en-GB" dirty="0"/>
+              <a:t>Client – C# WPF</a:t>
+            </a:r>
+          </a:p>
+          <a:p>
+            <a:pPr lvl="1"/>
+            <a:r>
+              <a:rPr lang="en-GB" dirty="0"/>
+              <a:t>Server – C# </a:t>
+            </a:r>
+            <a:r>
+              <a:rPr lang="en-GB" dirty="0" err="1"/>
+              <a:t>WebApi</a:t>
+            </a:r>
+            <a:endParaRPr lang="en-GB" dirty="0"/>
+          </a:p>
+          <a:p>
+            <a:pPr lvl="1"/>
+            <a:r>
+              <a:rPr lang="en-GB" dirty="0"/>
+              <a:t>Storage - </a:t>
+            </a:r>
+            <a:r>
+              <a:rPr lang="en-GB" dirty="0" err="1"/>
+              <a:t>DropBox</a:t>
             </a:r>
             <a:endParaRPr lang="en-IN" dirty="0"/>
           </a:p>
@@ -4467,7 +4540,40 @@
           <a:bodyPr/>
           <a:lstStyle/>
           <a:p>
-            <a:endParaRPr lang="en-IN"/>
+            <a:r>
+              <a:rPr lang="en-IN" dirty="0"/>
+              <a:t>HLD link - </a:t>
+            </a:r>
+            <a:r>
+              <a:rPr lang="en-IN" dirty="0">
+                <a:hlinkClick r:id="rId2"/>
+              </a:rPr>
+              <a:t>https://excalidraw.com/#json=6V-F0yn9_xMPkUsBSBwnG,n19Bk1H6TBq-PBDCJw1RJA</a:t>
+            </a:r>
+            <a:r>
+              <a:rPr lang="en-IN" dirty="0"/>
+              <a:t> </a:t>
+            </a:r>
+          </a:p>
+          <a:p>
+            <a:r>
+              <a:rPr lang="en-IN" dirty="0" err="1"/>
+              <a:t>Github</a:t>
+            </a:r>
+            <a:r>
+              <a:rPr lang="en-IN" dirty="0"/>
+              <a:t> Repo - </a:t>
+            </a:r>
+            <a:r>
+              <a:rPr lang="en-IN" dirty="0">
+                <a:hlinkClick r:id="rId3"/>
+              </a:rPr>
+              <a:t>https://github.com/a2bhijeet/DropBoxClient.git</a:t>
+            </a:r>
+            <a:r>
+              <a:rPr lang="en-IN" dirty="0"/>
+              <a:t> </a:t>
+            </a:r>
           </a:p>
         </p:txBody>
       </p:sp>
